--- a/Game Server.pptx
+++ b/Game Server.pptx
@@ -266,7 +266,7 @@
           <a:p>
             <a:fld id="{4E54C44C-F4D6-4E94-8729-B20FC72A6222}" type="datetimeFigureOut">
               <a:rPr lang="en-US" smtClean="0"/>
-              <a:t>5/11/2022</a:t>
+              <a:t>5/12/2022</a:t>
             </a:fld>
             <a:endParaRPr lang="en-US"/>
           </a:p>
@@ -464,7 +464,7 @@
           <a:p>
             <a:fld id="{4E54C44C-F4D6-4E94-8729-B20FC72A6222}" type="datetimeFigureOut">
               <a:rPr lang="en-US" smtClean="0"/>
-              <a:t>5/11/2022</a:t>
+              <a:t>5/12/2022</a:t>
             </a:fld>
             <a:endParaRPr lang="en-US"/>
           </a:p>
@@ -672,7 +672,7 @@
           <a:p>
             <a:fld id="{4E54C44C-F4D6-4E94-8729-B20FC72A6222}" type="datetimeFigureOut">
               <a:rPr lang="en-US" smtClean="0"/>
-              <a:t>5/11/2022</a:t>
+              <a:t>5/12/2022</a:t>
             </a:fld>
             <a:endParaRPr lang="en-US"/>
           </a:p>
@@ -870,7 +870,7 @@
           <a:p>
             <a:fld id="{4E54C44C-F4D6-4E94-8729-B20FC72A6222}" type="datetimeFigureOut">
               <a:rPr lang="en-US" smtClean="0"/>
-              <a:t>5/11/2022</a:t>
+              <a:t>5/12/2022</a:t>
             </a:fld>
             <a:endParaRPr lang="en-US"/>
           </a:p>
@@ -1145,7 +1145,7 @@
           <a:p>
             <a:fld id="{4E54C44C-F4D6-4E94-8729-B20FC72A6222}" type="datetimeFigureOut">
               <a:rPr lang="en-US" smtClean="0"/>
-              <a:t>5/11/2022</a:t>
+              <a:t>5/12/2022</a:t>
             </a:fld>
             <a:endParaRPr lang="en-US"/>
           </a:p>
@@ -1410,7 +1410,7 @@
           <a:p>
             <a:fld id="{4E54C44C-F4D6-4E94-8729-B20FC72A6222}" type="datetimeFigureOut">
               <a:rPr lang="en-US" smtClean="0"/>
-              <a:t>5/11/2022</a:t>
+              <a:t>5/12/2022</a:t>
             </a:fld>
             <a:endParaRPr lang="en-US"/>
           </a:p>
@@ -1822,7 +1822,7 @@
           <a:p>
             <a:fld id="{4E54C44C-F4D6-4E94-8729-B20FC72A6222}" type="datetimeFigureOut">
               <a:rPr lang="en-US" smtClean="0"/>
-              <a:t>5/11/2022</a:t>
+              <a:t>5/12/2022</a:t>
             </a:fld>
             <a:endParaRPr lang="en-US"/>
           </a:p>
@@ -1963,7 +1963,7 @@
           <a:p>
             <a:fld id="{4E54C44C-F4D6-4E94-8729-B20FC72A6222}" type="datetimeFigureOut">
               <a:rPr lang="en-US" smtClean="0"/>
-              <a:t>5/11/2022</a:t>
+              <a:t>5/12/2022</a:t>
             </a:fld>
             <a:endParaRPr lang="en-US"/>
           </a:p>
@@ -2076,7 +2076,7 @@
           <a:p>
             <a:fld id="{4E54C44C-F4D6-4E94-8729-B20FC72A6222}" type="datetimeFigureOut">
               <a:rPr lang="en-US" smtClean="0"/>
-              <a:t>5/11/2022</a:t>
+              <a:t>5/12/2022</a:t>
             </a:fld>
             <a:endParaRPr lang="en-US"/>
           </a:p>
@@ -2387,7 +2387,7 @@
           <a:p>
             <a:fld id="{4E54C44C-F4D6-4E94-8729-B20FC72A6222}" type="datetimeFigureOut">
               <a:rPr lang="en-US" smtClean="0"/>
-              <a:t>5/11/2022</a:t>
+              <a:t>5/12/2022</a:t>
             </a:fld>
             <a:endParaRPr lang="en-US"/>
           </a:p>
@@ -2675,7 +2675,7 @@
           <a:p>
             <a:fld id="{4E54C44C-F4D6-4E94-8729-B20FC72A6222}" type="datetimeFigureOut">
               <a:rPr lang="en-US" smtClean="0"/>
-              <a:t>5/11/2022</a:t>
+              <a:t>5/12/2022</a:t>
             </a:fld>
             <a:endParaRPr lang="en-US"/>
           </a:p>
@@ -2916,7 +2916,7 @@
           <a:p>
             <a:fld id="{4E54C44C-F4D6-4E94-8729-B20FC72A6222}" type="datetimeFigureOut">
               <a:rPr lang="en-US" smtClean="0"/>
-              <a:t>5/11/2022</a:t>
+              <a:t>5/12/2022</a:t>
             </a:fld>
             <a:endParaRPr lang="en-US"/>
           </a:p>
@@ -3522,7 +3522,9 @@
           <a:lstStyle/>
           <a:p>
             <a:r>
-              <a:rPr lang="en-US" dirty="0"/>
+              <a:rPr lang="en-US" dirty="0">
+                <a:latin typeface="Consolas" panose="020B0609020204030204" pitchFamily="49" charset="0"/>
+              </a:rPr>
               <a:t>Introduction</a:t>
             </a:r>
           </a:p>
@@ -3555,19 +3557,25 @@
           <a:lstStyle/>
           <a:p>
             <a:r>
-              <a:rPr lang="en-US" dirty="0"/>
+              <a:rPr lang="en-US" dirty="0">
+                <a:latin typeface="Consolas" panose="020B0609020204030204" pitchFamily="49" charset="0"/>
+              </a:rPr>
               <a:t>We programmed a game-server in java</a:t>
             </a:r>
           </a:p>
           <a:p>
             <a:r>
-              <a:rPr lang="en-US" dirty="0"/>
+              <a:rPr lang="en-US" dirty="0">
+                <a:latin typeface="Consolas" panose="020B0609020204030204" pitchFamily="49" charset="0"/>
+              </a:rPr>
               <a:t>Our game server implements java’s built-in Socket library</a:t>
             </a:r>
           </a:p>
           <a:p>
             <a:r>
-              <a:rPr lang="en-US" dirty="0"/>
+              <a:rPr lang="en-US" dirty="0">
+                <a:latin typeface="Consolas" panose="020B0609020204030204" pitchFamily="49" charset="0"/>
+              </a:rPr>
               <a:t> Server creates threads for each client it accepts and the connected clients plays against a bot which is located in the server</a:t>
             </a:r>
           </a:p>
@@ -3625,7 +3633,9 @@
           <a:lstStyle/>
           <a:p>
             <a:r>
-              <a:rPr lang="en-US" dirty="0"/>
+              <a:rPr lang="en-US" dirty="0">
+                <a:latin typeface="Consolas" panose="020B0609020204030204" pitchFamily="49" charset="0"/>
+              </a:rPr>
               <a:t>Our example game: Connect 4</a:t>
             </a:r>
           </a:p>
@@ -3762,7 +3772,9 @@
           <a:lstStyle/>
           <a:p>
             <a:r>
-              <a:rPr lang="en-US" dirty="0"/>
+              <a:rPr lang="en-US" dirty="0">
+                <a:latin typeface="Consolas" panose="020B0609020204030204" pitchFamily="49" charset="0"/>
+              </a:rPr>
               <a:t>The diagram</a:t>
             </a:r>
           </a:p>
@@ -3855,7 +3867,9 @@
           <a:lstStyle/>
           <a:p>
             <a:r>
-              <a:rPr lang="en-US" dirty="0"/>
+              <a:rPr lang="en-US" dirty="0">
+                <a:latin typeface="Consolas" panose="020B0609020204030204" pitchFamily="49" charset="0"/>
+              </a:rPr>
               <a:t>Server</a:t>
             </a:r>
           </a:p>
@@ -3885,12 +3899,14 @@
         </p:spPr>
         <p:txBody>
           <a:bodyPr>
-            <a:normAutofit/>
+            <a:normAutofit lnSpcReduction="10000"/>
           </a:bodyPr>
           <a:lstStyle/>
           <a:p>
             <a:r>
-              <a:rPr lang="en-US" dirty="0"/>
+              <a:rPr lang="en-US" dirty="0">
+                <a:latin typeface="Consolas" panose="020B0609020204030204" pitchFamily="49" charset="0"/>
+              </a:rPr>
               <a:t>Maintains an instance of </a:t>
             </a:r>
             <a:r>
@@ -3905,11 +3921,15 @@
               </a:rPr>
               <a:t>ServerSocket</a:t>
             </a:r>
-            <a:endParaRPr lang="en-US" dirty="0"/>
-          </a:p>
-          <a:p>
-            <a:r>
-              <a:rPr lang="en-US" dirty="0"/>
+            <a:endParaRPr lang="en-US" dirty="0">
+              <a:latin typeface="Consolas" panose="020B0609020204030204" pitchFamily="49" charset="0"/>
+            </a:endParaRPr>
+          </a:p>
+          <a:p>
+            <a:r>
+              <a:rPr lang="en-US" dirty="0">
+                <a:latin typeface="Consolas" panose="020B0609020204030204" pitchFamily="49" charset="0"/>
+              </a:rPr>
               <a:t> Creates individual </a:t>
             </a:r>
             <a:r>
@@ -3925,21 +3945,27 @@
               <a:t>Socket </a:t>
             </a:r>
             <a:r>
-              <a:rPr lang="en-US" dirty="0"/>
+              <a:rPr lang="en-US" dirty="0">
+                <a:latin typeface="Consolas" panose="020B0609020204030204" pitchFamily="49" charset="0"/>
+              </a:rPr>
               <a:t>client ; and creates new thread for each connected client. </a:t>
             </a:r>
           </a:p>
           <a:p>
             <a:pPr lvl="1"/>
             <a:r>
-              <a:rPr lang="en-US" dirty="0"/>
+              <a:rPr lang="en-US" dirty="0">
+                <a:latin typeface="Consolas" panose="020B0609020204030204" pitchFamily="49" charset="0"/>
+              </a:rPr>
               <a:t>Threads Run on a loop to handle incoming Stream of input from the clients</a:t>
             </a:r>
           </a:p>
           <a:p>
             <a:pPr lvl="1"/>
             <a:r>
-              <a:rPr lang="en-US" dirty="0"/>
+              <a:rPr lang="en-US" dirty="0">
+                <a:latin typeface="Consolas" panose="020B0609020204030204" pitchFamily="49" charset="0"/>
+              </a:rPr>
               <a:t>Branches out to different conditional situation depending on predefined input handler: such as, maps the clients names with </a:t>
             </a:r>
             <a:endParaRPr lang="en-US" dirty="0">
@@ -3953,7 +3979,9 @@
           </a:p>
           <a:p>
             <a:r>
-              <a:rPr lang="en-US" dirty="0"/>
+              <a:rPr lang="en-US" dirty="0">
+                <a:latin typeface="Consolas" panose="020B0609020204030204" pitchFamily="49" charset="0"/>
+              </a:rPr>
               <a:t>Edge Case: Server Crashes on CPU overload , because it creates threads for incoming clients</a:t>
             </a:r>
           </a:p>
@@ -3961,35 +3989,47 @@
             <a:pPr marL="457200" lvl="1" indent="0">
               <a:buNone/>
             </a:pPr>
-            <a:endParaRPr lang="en-US" dirty="0"/>
+            <a:endParaRPr lang="en-US" dirty="0">
+              <a:latin typeface="Consolas" panose="020B0609020204030204" pitchFamily="49" charset="0"/>
+            </a:endParaRPr>
           </a:p>
           <a:p>
             <a:pPr marL="457200" lvl="1" indent="0">
               <a:buNone/>
             </a:pPr>
-            <a:endParaRPr lang="en-US" dirty="0"/>
+            <a:endParaRPr lang="en-US" dirty="0">
+              <a:latin typeface="Consolas" panose="020B0609020204030204" pitchFamily="49" charset="0"/>
+            </a:endParaRPr>
           </a:p>
           <a:p>
             <a:pPr marL="457200" lvl="1" indent="0">
               <a:buNone/>
             </a:pPr>
-            <a:endParaRPr lang="en-US" dirty="0"/>
+            <a:endParaRPr lang="en-US" dirty="0">
+              <a:latin typeface="Consolas" panose="020B0609020204030204" pitchFamily="49" charset="0"/>
+            </a:endParaRPr>
           </a:p>
           <a:p>
             <a:pPr marL="457200" lvl="1" indent="0">
               <a:buNone/>
             </a:pPr>
-            <a:endParaRPr lang="en-US" dirty="0"/>
+            <a:endParaRPr lang="en-US" dirty="0">
+              <a:latin typeface="Consolas" panose="020B0609020204030204" pitchFamily="49" charset="0"/>
+            </a:endParaRPr>
           </a:p>
           <a:p>
             <a:pPr lvl="1"/>
-            <a:endParaRPr lang="en-US" dirty="0"/>
+            <a:endParaRPr lang="en-US" dirty="0">
+              <a:latin typeface="Consolas" panose="020B0609020204030204" pitchFamily="49" charset="0"/>
+            </a:endParaRPr>
           </a:p>
           <a:p>
             <a:pPr marL="457200" lvl="1" indent="0">
               <a:buNone/>
             </a:pPr>
-            <a:endParaRPr lang="en-US" dirty="0"/>
+            <a:endParaRPr lang="en-US" dirty="0">
+              <a:latin typeface="Consolas" panose="020B0609020204030204" pitchFamily="49" charset="0"/>
+            </a:endParaRPr>
           </a:p>
         </p:txBody>
       </p:sp>
@@ -4045,7 +4085,9 @@
           <a:lstStyle/>
           <a:p>
             <a:r>
-              <a:rPr lang="en-US" dirty="0"/>
+              <a:rPr lang="en-US" dirty="0">
+                <a:latin typeface="Consolas" panose="020B0609020204030204" pitchFamily="49" charset="0"/>
+              </a:rPr>
               <a:t>Client</a:t>
             </a:r>
           </a:p>
@@ -4073,21 +4115,40 @@
           <a:lstStyle/>
           <a:p>
             <a:r>
-              <a:rPr lang="en-US" dirty="0"/>
+              <a:rPr lang="en-US" dirty="0">
+                <a:latin typeface="Consolas" panose="020B0609020204030204" pitchFamily="49" charset="0"/>
+              </a:rPr>
               <a:t>Creates Socket to connect to the server </a:t>
             </a:r>
           </a:p>
           <a:p>
             <a:r>
-              <a:rPr lang="en-US" dirty="0"/>
+              <a:rPr lang="en-US" dirty="0">
+                <a:latin typeface="Consolas" panose="020B0609020204030204" pitchFamily="49" charset="0"/>
+              </a:rPr>
               <a:t>Communicates with the server sending the state back and forth , in a loop </a:t>
             </a:r>
           </a:p>
           <a:p>
             <a:r>
-              <a:rPr lang="en-US" dirty="0"/>
+              <a:rPr lang="en-US" dirty="0">
+                <a:latin typeface="Consolas" panose="020B0609020204030204" pitchFamily="49" charset="0"/>
+              </a:rPr>
               <a:t>Prompts user to make game input : in our case – making a column selection</a:t>
             </a:r>
+          </a:p>
+          <a:p>
+            <a:r>
+              <a:rPr lang="en-US" dirty="0">
+                <a:latin typeface="Consolas" panose="020B0609020204030204" pitchFamily="49" charset="0"/>
+              </a:rPr>
+              <a:t>Edge Case: Client Crashes on Server Downtime, because it tries to create connection to a certain socket, if server doesn’t respond client fails to make a connection. </a:t>
+            </a:r>
+          </a:p>
+          <a:p>
+            <a:endParaRPr lang="en-US" dirty="0">
+              <a:latin typeface="Consolas" panose="020B0609020204030204" pitchFamily="49" charset="0"/>
+            </a:endParaRPr>
           </a:p>
         </p:txBody>
       </p:sp>
